--- a/slides/Unit 2 - LC 101 - Class 5.pptx
+++ b/slides/Unit 2 - LC 101 - Class 5.pptx
@@ -6710,12 +6710,8 @@
           <a:lstStyle/>
           <a:p>
             <a:r>
-              <a:rPr lang="en-US"/>
-              <a:t>Studio 2 Solution </a:t>
-            </a:r>
-            <a:r>
               <a:rPr lang="en-US" dirty="0"/>
-              <a:t>(last class)</a:t>
+              <a:t>Studio 2 Solution (last class)</a:t>
             </a:r>
           </a:p>
         </p:txBody>
@@ -6828,9 +6824,9 @@
             </a:pPr>
             <a:r>
               <a:rPr lang="en"/>
-              <a:t>Unit 2 - Class 4</a:t>
+              <a:t>Unit 2 - Class 5</a:t>
             </a:r>
-            <a:endParaRPr/>
+            <a:endParaRPr dirty="0"/>
           </a:p>
         </p:txBody>
       </p:sp>

--- a/slides/Unit 2 - LC 101 - Class 5.pptx
+++ b/slides/Unit 2 - LC 101 - Class 5.pptx
@@ -5,7 +5,7 @@
     <p:sldMasterId id="2147483659" r:id="rId1"/>
   </p:sldMasterIdLst>
   <p:notesMasterIdLst>
-    <p:notesMasterId r:id="rId9"/>
+    <p:notesMasterId r:id="rId12"/>
   </p:notesMasterIdLst>
   <p:sldIdLst>
     <p:sldId id="263" r:id="rId2"/>
@@ -14,7 +14,10 @@
     <p:sldId id="260" r:id="rId5"/>
     <p:sldId id="256" r:id="rId6"/>
     <p:sldId id="257" r:id="rId7"/>
-    <p:sldId id="264" r:id="rId8"/>
+    <p:sldId id="267" r:id="rId8"/>
+    <p:sldId id="265" r:id="rId9"/>
+    <p:sldId id="266" r:id="rId10"/>
+    <p:sldId id="264" r:id="rId11"/>
   </p:sldIdLst>
   <p:sldSz cx="9144000" cy="5143500" type="screen16x9"/>
   <p:notesSz cx="6858000" cy="9144000"/>
@@ -1196,6 +1199,264 @@
 </file>
 
 <file path=ppt/notesSlides/notesSlide6.xml><?xml version="1.0" encoding="utf-8"?>
+<p:notes xmlns:a="http://schemas.openxmlformats.org/drawingml/2006/main" xmlns:r="http://schemas.openxmlformats.org/officeDocument/2006/relationships" xmlns:p="http://schemas.openxmlformats.org/presentationml/2006/main">
+  <p:cSld>
+    <p:spTree>
+      <p:nvGrpSpPr>
+        <p:cNvPr id="1" name=""/>
+        <p:cNvGrpSpPr/>
+        <p:nvPr/>
+      </p:nvGrpSpPr>
+      <p:grpSpPr>
+        <a:xfrm>
+          <a:off x="0" y="0"/>
+          <a:ext cx="0" cy="0"/>
+          <a:chOff x="0" y="0"/>
+          <a:chExt cx="0" cy="0"/>
+        </a:xfrm>
+      </p:grpSpPr>
+      <p:sp>
+        <p:nvSpPr>
+          <p:cNvPr id="2" name="Slide Image Placeholder 1"/>
+          <p:cNvSpPr>
+            <a:spLocks noGrp="1" noRot="1" noChangeAspect="1"/>
+          </p:cNvSpPr>
+          <p:nvPr>
+            <p:ph type="sldImg"/>
+          </p:nvPr>
+        </p:nvSpPr>
+        <p:spPr>
+          <a:xfrm>
+            <a:off x="381000" y="685800"/>
+            <a:ext cx="6096000" cy="3429000"/>
+          </a:xfrm>
+        </p:spPr>
+      </p:sp>
+      <p:sp>
+        <p:nvSpPr>
+          <p:cNvPr id="3" name="Notes Placeholder 2"/>
+          <p:cNvSpPr>
+            <a:spLocks noGrp="1"/>
+          </p:cNvSpPr>
+          <p:nvPr>
+            <p:ph type="body" idx="1"/>
+          </p:nvPr>
+        </p:nvSpPr>
+        <p:spPr/>
+        <p:txBody>
+          <a:bodyPr/>
+          <a:lstStyle/>
+          <a:p>
+            <a:r>
+              <a:rPr lang="en-US" dirty="0"/>
+              <a:t>Git, HTML Escaping</a:t>
+            </a:r>
+          </a:p>
+          <a:p>
+            <a:r>
+              <a:rPr lang="en-US" dirty="0"/>
+              <a:t>Flask, Validation, Redirecting will be covered in the </a:t>
+            </a:r>
+            <a:r>
+              <a:rPr lang="en-US" dirty="0" err="1"/>
+              <a:t>waklthrough</a:t>
+            </a:r>
+            <a:endParaRPr lang="en-US" dirty="0"/>
+          </a:p>
+        </p:txBody>
+      </p:sp>
+    </p:spTree>
+    <p:extLst>
+      <p:ext uri="{BB962C8B-B14F-4D97-AF65-F5344CB8AC3E}">
+        <p14:creationId xmlns:p14="http://schemas.microsoft.com/office/powerpoint/2010/main" val="347269921"/>
+      </p:ext>
+    </p:extLst>
+  </p:cSld>
+  <p:clrMapOvr>
+    <a:masterClrMapping/>
+  </p:clrMapOvr>
+</p:notes>
+</file>
+
+<file path=ppt/notesSlides/notesSlide7.xml><?xml version="1.0" encoding="utf-8"?>
+<p:notes xmlns:a="http://schemas.openxmlformats.org/drawingml/2006/main" xmlns:r="http://schemas.openxmlformats.org/officeDocument/2006/relationships" xmlns:p="http://schemas.openxmlformats.org/presentationml/2006/main" showMasterSp="0" showMasterPhAnim="0">
+  <p:cSld>
+    <p:spTree>
+      <p:nvGrpSpPr>
+        <p:cNvPr id="1" name="Shape 57"/>
+        <p:cNvGrpSpPr/>
+        <p:nvPr/>
+      </p:nvGrpSpPr>
+      <p:grpSpPr>
+        <a:xfrm>
+          <a:off x="0" y="0"/>
+          <a:ext cx="0" cy="0"/>
+          <a:chOff x="0" y="0"/>
+          <a:chExt cx="0" cy="0"/>
+        </a:xfrm>
+      </p:grpSpPr>
+      <p:sp>
+        <p:nvSpPr>
+          <p:cNvPr id="58" name="Shape 58"/>
+          <p:cNvSpPr>
+            <a:spLocks noGrp="1" noRot="1" noChangeAspect="1"/>
+          </p:cNvSpPr>
+          <p:nvPr>
+            <p:ph type="sldImg" idx="2"/>
+          </p:nvPr>
+        </p:nvSpPr>
+        <p:spPr>
+          <a:xfrm>
+            <a:off x="381000" y="685800"/>
+            <a:ext cx="6096000" cy="3429000"/>
+          </a:xfrm>
+          <a:custGeom>
+            <a:avLst/>
+            <a:gdLst/>
+            <a:ahLst/>
+            <a:cxnLst/>
+            <a:rect l="0" t="0" r="0" b="0"/>
+            <a:pathLst>
+              <a:path w="120000" h="120000" extrusionOk="0">
+                <a:moveTo>
+                  <a:pt x="0" y="0"/>
+                </a:moveTo>
+                <a:lnTo>
+                  <a:pt x="120000" y="0"/>
+                </a:lnTo>
+                <a:lnTo>
+                  <a:pt x="120000" y="120000"/>
+                </a:lnTo>
+                <a:lnTo>
+                  <a:pt x="0" y="120000"/>
+                </a:lnTo>
+                <a:close/>
+              </a:path>
+            </a:pathLst>
+          </a:custGeom>
+        </p:spPr>
+      </p:sp>
+      <p:sp>
+        <p:nvSpPr>
+          <p:cNvPr id="59" name="Shape 59"/>
+          <p:cNvSpPr txBox="1">
+            <a:spLocks noGrp="1"/>
+          </p:cNvSpPr>
+          <p:nvPr>
+            <p:ph type="body" idx="1"/>
+          </p:nvPr>
+        </p:nvSpPr>
+        <p:spPr>
+          <a:xfrm>
+            <a:off x="685800" y="4343400"/>
+            <a:ext cx="5486400" cy="4114800"/>
+          </a:xfrm>
+          <a:prstGeom prst="rect">
+            <a:avLst/>
+          </a:prstGeom>
+        </p:spPr>
+        <p:txBody>
+          <a:bodyPr spcFirstLastPara="1" wrap="square" lIns="91425" tIns="91425" rIns="91425" bIns="91425" anchor="t" anchorCtr="0">
+            <a:noAutofit/>
+          </a:bodyPr>
+          <a:lstStyle/>
+          <a:p>
+            <a:pPr marL="171450" lvl="0" indent="-171450" rtl="0">
+              <a:spcBef>
+                <a:spcPts val="0"/>
+              </a:spcBef>
+              <a:spcAft>
+                <a:spcPts val="0"/>
+              </a:spcAft>
+            </a:pPr>
+            <a:r>
+              <a:rPr lang="en-US" dirty="0"/>
+              <a:t>Pause when necessary. Rewind when necessary. That’s the beauty of it!</a:t>
+            </a:r>
+            <a:endParaRPr dirty="0"/>
+          </a:p>
+        </p:txBody>
+      </p:sp>
+    </p:spTree>
+    <p:extLst>
+      <p:ext uri="{BB962C8B-B14F-4D97-AF65-F5344CB8AC3E}">
+        <p14:creationId xmlns:p14="http://schemas.microsoft.com/office/powerpoint/2010/main" val="563099923"/>
+      </p:ext>
+    </p:extLst>
+  </p:cSld>
+  <p:clrMapOvr>
+    <a:masterClrMapping/>
+  </p:clrMapOvr>
+</p:notes>
+</file>
+
+<file path=ppt/notesSlides/notesSlide8.xml><?xml version="1.0" encoding="utf-8"?>
+<p:notes xmlns:a="http://schemas.openxmlformats.org/drawingml/2006/main" xmlns:r="http://schemas.openxmlformats.org/officeDocument/2006/relationships" xmlns:p="http://schemas.openxmlformats.org/presentationml/2006/main">
+  <p:cSld>
+    <p:spTree>
+      <p:nvGrpSpPr>
+        <p:cNvPr id="1" name=""/>
+        <p:cNvGrpSpPr/>
+        <p:nvPr/>
+      </p:nvGrpSpPr>
+      <p:grpSpPr>
+        <a:xfrm>
+          <a:off x="0" y="0"/>
+          <a:ext cx="0" cy="0"/>
+          <a:chOff x="0" y="0"/>
+          <a:chExt cx="0" cy="0"/>
+        </a:xfrm>
+      </p:grpSpPr>
+      <p:sp>
+        <p:nvSpPr>
+          <p:cNvPr id="2" name="Slide Image Placeholder 1"/>
+          <p:cNvSpPr>
+            <a:spLocks noGrp="1" noRot="1" noChangeAspect="1"/>
+          </p:cNvSpPr>
+          <p:nvPr>
+            <p:ph type="sldImg"/>
+          </p:nvPr>
+        </p:nvSpPr>
+        <p:spPr>
+          <a:xfrm>
+            <a:off x="381000" y="685800"/>
+            <a:ext cx="6096000" cy="3429000"/>
+          </a:xfrm>
+        </p:spPr>
+      </p:sp>
+      <p:sp>
+        <p:nvSpPr>
+          <p:cNvPr id="3" name="Notes Placeholder 2"/>
+          <p:cNvSpPr>
+            <a:spLocks noGrp="1"/>
+          </p:cNvSpPr>
+          <p:nvPr>
+            <p:ph type="body" idx="1"/>
+          </p:nvPr>
+        </p:nvSpPr>
+        <p:spPr/>
+        <p:txBody>
+          <a:bodyPr/>
+          <a:lstStyle/>
+          <a:p>
+            <a:endParaRPr lang="en-US"/>
+          </a:p>
+        </p:txBody>
+      </p:sp>
+    </p:spTree>
+    <p:extLst>
+      <p:ext uri="{BB962C8B-B14F-4D97-AF65-F5344CB8AC3E}">
+        <p14:creationId xmlns:p14="http://schemas.microsoft.com/office/powerpoint/2010/main" val="3097361344"/>
+      </p:ext>
+    </p:extLst>
+  </p:cSld>
+  <p:clrMapOvr>
+    <a:masterClrMapping/>
+  </p:clrMapOvr>
+</p:notes>
+</file>
+
+<file path=ppt/notesSlides/notesSlide9.xml><?xml version="1.0" encoding="utf-8"?>
 <p:notes xmlns:a="http://schemas.openxmlformats.org/drawingml/2006/main" xmlns:r="http://schemas.openxmlformats.org/officeDocument/2006/relationships" xmlns:p="http://schemas.openxmlformats.org/presentationml/2006/main">
   <p:cSld>
     <p:spTree>
@@ -5600,6 +5861,64 @@
 </p:sld>
 </file>
 
+<file path=ppt/slides/slide10.xml><?xml version="1.0" encoding="utf-8"?>
+<p:sld xmlns:a="http://schemas.openxmlformats.org/drawingml/2006/main" xmlns:r="http://schemas.openxmlformats.org/officeDocument/2006/relationships" xmlns:p="http://schemas.openxmlformats.org/presentationml/2006/main">
+  <p:cSld>
+    <p:spTree>
+      <p:nvGrpSpPr>
+        <p:cNvPr id="1" name=""/>
+        <p:cNvGrpSpPr/>
+        <p:nvPr/>
+      </p:nvGrpSpPr>
+      <p:grpSpPr>
+        <a:xfrm>
+          <a:off x="0" y="0"/>
+          <a:ext cx="0" cy="0"/>
+          <a:chOff x="0" y="0"/>
+          <a:chExt cx="0" cy="0"/>
+        </a:xfrm>
+      </p:grpSpPr>
+      <p:sp>
+        <p:nvSpPr>
+          <p:cNvPr id="2" name="Title 1">
+            <a:extLst>
+              <a:ext uri="{FF2B5EF4-FFF2-40B4-BE49-F238E27FC236}">
+                <a16:creationId xmlns:a16="http://schemas.microsoft.com/office/drawing/2014/main" id="{C51B2B44-E135-446B-8B96-DA63B6936F88}"/>
+              </a:ext>
+            </a:extLst>
+          </p:cNvPr>
+          <p:cNvSpPr>
+            <a:spLocks noGrp="1"/>
+          </p:cNvSpPr>
+          <p:nvPr>
+            <p:ph type="title"/>
+          </p:nvPr>
+        </p:nvSpPr>
+        <p:spPr/>
+        <p:txBody>
+          <a:bodyPr/>
+          <a:lstStyle/>
+          <a:p>
+            <a:r>
+              <a:rPr lang="en-US" dirty="0"/>
+              <a:t>Studio Walkthrough</a:t>
+            </a:r>
+          </a:p>
+        </p:txBody>
+      </p:sp>
+    </p:spTree>
+    <p:extLst>
+      <p:ext uri="{BB962C8B-B14F-4D97-AF65-F5344CB8AC3E}">
+        <p14:creationId xmlns:p14="http://schemas.microsoft.com/office/powerpoint/2010/main" val="260465789"/>
+      </p:ext>
+    </p:extLst>
+  </p:cSld>
+  <p:clrMapOvr>
+    <a:masterClrMapping/>
+  </p:clrMapOvr>
+</p:sld>
+</file>
+
 <file path=ppt/slides/slide2.xml><?xml version="1.0" encoding="utf-8"?>
 <p:sld xmlns:a="http://schemas.openxmlformats.org/drawingml/2006/main" xmlns:r="http://schemas.openxmlformats.org/officeDocument/2006/relationships" xmlns:p="http://schemas.openxmlformats.org/presentationml/2006/main">
   <p:cSld>
@@ -6948,10 +7267,10 @@
               <a:buNone/>
             </a:pPr>
             <a:r>
-              <a:rPr lang="en" sz="4000"/>
+              <a:rPr lang="en" sz="4000" dirty="0"/>
               <a:t>How are you feeling about…?</a:t>
             </a:r>
-            <a:endParaRPr sz="4000"/>
+            <a:endParaRPr sz="4000" dirty="0"/>
           </a:p>
         </p:txBody>
       </p:sp>
@@ -7114,6 +7433,23 @@
               </a:rPr>
               <a:t>HTML Escaping</a:t>
             </a:r>
+          </a:p>
+          <a:p>
+            <a:pPr marL="76200" marR="0" lvl="0" algn="l" rtl="0">
+              <a:lnSpc>
+                <a:spcPct val="115000"/>
+              </a:lnSpc>
+              <a:spcBef>
+                <a:spcPts val="0"/>
+              </a:spcBef>
+              <a:spcAft>
+                <a:spcPts val="0"/>
+              </a:spcAft>
+              <a:buClr>
+                <a:srgbClr val="FFFFFF"/>
+              </a:buClr>
+              <a:buSzPts val="2400"/>
+            </a:pPr>
             <a:endParaRPr sz="2400" dirty="0">
               <a:solidFill>
                 <a:srgbClr val="FFFFFF"/>
@@ -7578,7 +7914,7 @@
           <a:p>
             <a:r>
               <a:rPr lang="en-US" dirty="0"/>
-              <a:t>Studio Walkthrough</a:t>
+              <a:t>Examples</a:t>
             </a:r>
           </a:p>
         </p:txBody>
@@ -7586,7 +7922,607 @@
     </p:spTree>
     <p:extLst>
       <p:ext uri="{BB962C8B-B14F-4D97-AF65-F5344CB8AC3E}">
-        <p14:creationId xmlns:p14="http://schemas.microsoft.com/office/powerpoint/2010/main" val="260465789"/>
+        <p14:creationId xmlns:p14="http://schemas.microsoft.com/office/powerpoint/2010/main" val="1764239528"/>
+      </p:ext>
+    </p:extLst>
+  </p:cSld>
+  <p:clrMapOvr>
+    <a:masterClrMapping/>
+  </p:clrMapOvr>
+</p:sld>
+</file>
+
+<file path=ppt/slides/slide8.xml><?xml version="1.0" encoding="utf-8"?>
+<p:sld xmlns:a="http://schemas.openxmlformats.org/drawingml/2006/main" xmlns:r="http://schemas.openxmlformats.org/officeDocument/2006/relationships" xmlns:p="http://schemas.openxmlformats.org/presentationml/2006/main">
+  <p:cSld>
+    <p:spTree>
+      <p:nvGrpSpPr>
+        <p:cNvPr id="1" name="Shape 60"/>
+        <p:cNvGrpSpPr/>
+        <p:nvPr/>
+      </p:nvGrpSpPr>
+      <p:grpSpPr>
+        <a:xfrm>
+          <a:off x="0" y="0"/>
+          <a:ext cx="0" cy="0"/>
+          <a:chOff x="0" y="0"/>
+          <a:chExt cx="0" cy="0"/>
+        </a:xfrm>
+      </p:grpSpPr>
+      <p:sp>
+        <p:nvSpPr>
+          <p:cNvPr id="61" name="Shape 61"/>
+          <p:cNvSpPr txBox="1">
+            <a:spLocks noGrp="1"/>
+          </p:cNvSpPr>
+          <p:nvPr>
+            <p:ph type="title"/>
+          </p:nvPr>
+        </p:nvSpPr>
+        <p:spPr>
+          <a:xfrm>
+            <a:off x="62275" y="-124550"/>
+            <a:ext cx="8769900" cy="524700"/>
+          </a:xfrm>
+          <a:prstGeom prst="rect">
+            <a:avLst/>
+          </a:prstGeom>
+        </p:spPr>
+        <p:txBody>
+          <a:bodyPr spcFirstLastPara="1" wrap="square" lIns="91425" tIns="91425" rIns="91425" bIns="91425" anchor="t" anchorCtr="0">
+            <a:noAutofit/>
+          </a:bodyPr>
+          <a:lstStyle/>
+          <a:p>
+            <a:pPr marL="0" lvl="0" indent="0" rtl="0">
+              <a:spcBef>
+                <a:spcPts val="0"/>
+              </a:spcBef>
+              <a:spcAft>
+                <a:spcPts val="0"/>
+              </a:spcAft>
+              <a:buNone/>
+            </a:pPr>
+            <a:r>
+              <a:rPr lang="en-US" sz="4000" dirty="0" err="1"/>
+              <a:t>urllib.parse.urlencode</a:t>
+            </a:r>
+            <a:endParaRPr sz="4000" dirty="0"/>
+          </a:p>
+        </p:txBody>
+      </p:sp>
+      <p:sp>
+        <p:nvSpPr>
+          <p:cNvPr id="62" name="Shape 62"/>
+          <p:cNvSpPr txBox="1"/>
+          <p:nvPr/>
+        </p:nvSpPr>
+        <p:spPr>
+          <a:xfrm>
+            <a:off x="418050" y="658225"/>
+            <a:ext cx="8619300" cy="4349700"/>
+          </a:xfrm>
+          <a:prstGeom prst="rect">
+            <a:avLst/>
+          </a:prstGeom>
+          <a:noFill/>
+          <a:ln>
+            <a:noFill/>
+          </a:ln>
+        </p:spPr>
+        <p:txBody>
+          <a:bodyPr spcFirstLastPara="1" wrap="square" lIns="91425" tIns="91425" rIns="91425" bIns="91425" anchor="t" anchorCtr="0">
+            <a:noAutofit/>
+          </a:bodyPr>
+          <a:lstStyle/>
+          <a:p>
+            <a:pPr marL="457200" marR="0" lvl="0" indent="-381000" algn="l" rtl="0">
+              <a:lnSpc>
+                <a:spcPct val="115000"/>
+              </a:lnSpc>
+              <a:spcBef>
+                <a:spcPts val="0"/>
+              </a:spcBef>
+              <a:spcAft>
+                <a:spcPts val="0"/>
+              </a:spcAft>
+              <a:buClr>
+                <a:srgbClr val="FFFFFF"/>
+              </a:buClr>
+              <a:buSzPts val="2400"/>
+              <a:buFont typeface="Arial"/>
+              <a:buChar char="●"/>
+            </a:pPr>
+            <a:r>
+              <a:rPr lang="en-US" sz="2400" dirty="0">
+                <a:solidFill>
+                  <a:srgbClr val="FFFFFF"/>
+                </a:solidFill>
+              </a:rPr>
+              <a:t>What does this function do?</a:t>
+            </a:r>
+          </a:p>
+          <a:p>
+            <a:pPr marL="457200" marR="0" lvl="0" indent="-381000" algn="l" rtl="0">
+              <a:lnSpc>
+                <a:spcPct val="115000"/>
+              </a:lnSpc>
+              <a:spcBef>
+                <a:spcPts val="0"/>
+              </a:spcBef>
+              <a:spcAft>
+                <a:spcPts val="0"/>
+              </a:spcAft>
+              <a:buClr>
+                <a:srgbClr val="FFFFFF"/>
+              </a:buClr>
+              <a:buSzPts val="2400"/>
+              <a:buFont typeface="Arial"/>
+              <a:buChar char="●"/>
+            </a:pPr>
+            <a:endParaRPr lang="en-US" sz="2400" dirty="0">
+              <a:solidFill>
+                <a:srgbClr val="FFFFFF"/>
+              </a:solidFill>
+            </a:endParaRPr>
+          </a:p>
+          <a:p>
+            <a:pPr marL="457200" marR="0" lvl="0" indent="-381000" algn="l" rtl="0">
+              <a:lnSpc>
+                <a:spcPct val="115000"/>
+              </a:lnSpc>
+              <a:spcBef>
+                <a:spcPts val="0"/>
+              </a:spcBef>
+              <a:spcAft>
+                <a:spcPts val="0"/>
+              </a:spcAft>
+              <a:buClr>
+                <a:srgbClr val="FFFFFF"/>
+              </a:buClr>
+              <a:buSzPts val="2400"/>
+              <a:buFont typeface="Arial"/>
+              <a:buChar char="●"/>
+            </a:pPr>
+            <a:r>
+              <a:rPr lang="en-US" sz="2400" dirty="0">
+                <a:solidFill>
+                  <a:srgbClr val="FFFFFF"/>
+                </a:solidFill>
+              </a:rPr>
+              <a:t>Why would we ever need it?</a:t>
+            </a:r>
+          </a:p>
+          <a:p>
+            <a:pPr marL="457200" marR="0" lvl="0" indent="-381000" algn="l" rtl="0">
+              <a:lnSpc>
+                <a:spcPct val="115000"/>
+              </a:lnSpc>
+              <a:spcBef>
+                <a:spcPts val="0"/>
+              </a:spcBef>
+              <a:spcAft>
+                <a:spcPts val="0"/>
+              </a:spcAft>
+              <a:buClr>
+                <a:srgbClr val="FFFFFF"/>
+              </a:buClr>
+              <a:buSzPts val="2400"/>
+              <a:buFont typeface="Arial"/>
+              <a:buChar char="●"/>
+            </a:pPr>
+            <a:endParaRPr lang="en-US" sz="2400" dirty="0">
+              <a:solidFill>
+                <a:srgbClr val="FFFFFF"/>
+              </a:solidFill>
+            </a:endParaRPr>
+          </a:p>
+          <a:p>
+            <a:pPr marL="457200" marR="0" lvl="0" indent="-381000" algn="l" rtl="0">
+              <a:lnSpc>
+                <a:spcPct val="115000"/>
+              </a:lnSpc>
+              <a:spcBef>
+                <a:spcPts val="0"/>
+              </a:spcBef>
+              <a:spcAft>
+                <a:spcPts val="0"/>
+              </a:spcAft>
+              <a:buClr>
+                <a:srgbClr val="FFFFFF"/>
+              </a:buClr>
+              <a:buSzPts val="2400"/>
+              <a:buFont typeface="Arial"/>
+              <a:buChar char="●"/>
+            </a:pPr>
+            <a:r>
+              <a:rPr lang="en-US" sz="2400" dirty="0">
+                <a:solidFill>
+                  <a:srgbClr val="FFFFFF"/>
+                </a:solidFill>
+              </a:rPr>
+              <a:t>Example time!</a:t>
+            </a:r>
+          </a:p>
+          <a:p>
+            <a:pPr marL="457200" marR="0" lvl="0" indent="-381000" algn="l" rtl="0">
+              <a:lnSpc>
+                <a:spcPct val="115000"/>
+              </a:lnSpc>
+              <a:spcBef>
+                <a:spcPts val="0"/>
+              </a:spcBef>
+              <a:spcAft>
+                <a:spcPts val="0"/>
+              </a:spcAft>
+              <a:buClr>
+                <a:srgbClr val="FFFFFF"/>
+              </a:buClr>
+              <a:buSzPts val="2400"/>
+              <a:buFont typeface="Arial"/>
+              <a:buChar char="●"/>
+            </a:pPr>
+            <a:endParaRPr lang="en-US" sz="2400" dirty="0">
+              <a:solidFill>
+                <a:srgbClr val="FFFFFF"/>
+              </a:solidFill>
+            </a:endParaRPr>
+          </a:p>
+          <a:p>
+            <a:pPr marL="0" lvl="0" indent="0" rtl="0">
+              <a:lnSpc>
+                <a:spcPct val="115000"/>
+              </a:lnSpc>
+              <a:spcBef>
+                <a:spcPts val="0"/>
+              </a:spcBef>
+              <a:spcAft>
+                <a:spcPts val="0"/>
+              </a:spcAft>
+              <a:buNone/>
+            </a:pPr>
+            <a:endParaRPr sz="2200" dirty="0">
+              <a:solidFill>
+                <a:srgbClr val="FFFFFF"/>
+              </a:solidFill>
+            </a:endParaRPr>
+          </a:p>
+          <a:p>
+            <a:pPr marL="0" lvl="0" indent="0" rtl="0">
+              <a:lnSpc>
+                <a:spcPct val="115000"/>
+              </a:lnSpc>
+              <a:spcBef>
+                <a:spcPts val="0"/>
+              </a:spcBef>
+              <a:spcAft>
+                <a:spcPts val="0"/>
+              </a:spcAft>
+              <a:buNone/>
+            </a:pPr>
+            <a:endParaRPr sz="2200" dirty="0">
+              <a:solidFill>
+                <a:srgbClr val="FFFFFF"/>
+              </a:solidFill>
+            </a:endParaRPr>
+          </a:p>
+          <a:p>
+            <a:pPr marL="0" marR="0" lvl="0" indent="0" algn="l" rtl="0">
+              <a:lnSpc>
+                <a:spcPct val="100000"/>
+              </a:lnSpc>
+              <a:spcBef>
+                <a:spcPts val="0"/>
+              </a:spcBef>
+              <a:spcAft>
+                <a:spcPts val="0"/>
+              </a:spcAft>
+              <a:buNone/>
+            </a:pPr>
+            <a:endParaRPr sz="2400" dirty="0">
+              <a:solidFill>
+                <a:srgbClr val="FFFFFF"/>
+              </a:solidFill>
+            </a:endParaRPr>
+          </a:p>
+          <a:p>
+            <a:pPr marL="0" lvl="0" indent="0" rtl="0">
+              <a:spcBef>
+                <a:spcPts val="0"/>
+              </a:spcBef>
+              <a:spcAft>
+                <a:spcPts val="0"/>
+              </a:spcAft>
+              <a:buNone/>
+            </a:pPr>
+            <a:endParaRPr sz="2400" dirty="0">
+              <a:solidFill>
+                <a:srgbClr val="FFFFFF"/>
+              </a:solidFill>
+            </a:endParaRPr>
+          </a:p>
+        </p:txBody>
+      </p:sp>
+    </p:spTree>
+    <p:extLst>
+      <p:ext uri="{BB962C8B-B14F-4D97-AF65-F5344CB8AC3E}">
+        <p14:creationId xmlns:p14="http://schemas.microsoft.com/office/powerpoint/2010/main" val="2897841919"/>
+      </p:ext>
+    </p:extLst>
+  </p:cSld>
+  <p:clrMapOvr>
+    <a:masterClrMapping/>
+  </p:clrMapOvr>
+  <p:timing>
+    <p:tnLst>
+      <p:par>
+        <p:cTn id="1" dur="indefinite" restart="never" nodeType="tmRoot">
+          <p:childTnLst>
+            <p:seq concurrent="1" nextAc="seek">
+              <p:cTn id="2" dur="indefinite" nodeType="mainSeq">
+                <p:childTnLst>
+                  <p:par>
+                    <p:cTn id="3" fill="hold">
+                      <p:stCondLst>
+                        <p:cond delay="indefinite"/>
+                      </p:stCondLst>
+                      <p:childTnLst>
+                        <p:par>
+                          <p:cTn id="4" fill="hold">
+                            <p:stCondLst>
+                              <p:cond delay="0"/>
+                            </p:stCondLst>
+                            <p:childTnLst>
+                              <p:par>
+                                <p:cTn id="5" presetID="10" presetClass="entr" presetSubtype="0" fill="hold" nodeType="clickEffect">
+                                  <p:stCondLst>
+                                    <p:cond delay="0"/>
+                                  </p:stCondLst>
+                                  <p:childTnLst>
+                                    <p:set>
+                                      <p:cBhvr>
+                                        <p:cTn id="6" dur="1" fill="hold">
+                                          <p:stCondLst>
+                                            <p:cond delay="0"/>
+                                          </p:stCondLst>
+                                        </p:cTn>
+                                        <p:tgtEl>
+                                          <p:spTgt spid="62">
+                                            <p:txEl>
+                                              <p:pRg st="0" end="0"/>
+                                            </p:txEl>
+                                          </p:spTgt>
+                                        </p:tgtEl>
+                                        <p:attrNameLst>
+                                          <p:attrName>style.visibility</p:attrName>
+                                        </p:attrNameLst>
+                                      </p:cBhvr>
+                                      <p:to>
+                                        <p:strVal val="visible"/>
+                                      </p:to>
+                                    </p:set>
+                                    <p:animEffect transition="in" filter="fade">
+                                      <p:cBhvr>
+                                        <p:cTn id="7" dur="1000"/>
+                                        <p:tgtEl>
+                                          <p:spTgt spid="62">
+                                            <p:txEl>
+                                              <p:pRg st="0" end="0"/>
+                                            </p:txEl>
+                                          </p:spTgt>
+                                        </p:tgtEl>
+                                      </p:cBhvr>
+                                    </p:animEffect>
+                                  </p:childTnLst>
+                                </p:cTn>
+                              </p:par>
+                            </p:childTnLst>
+                          </p:cTn>
+                        </p:par>
+                      </p:childTnLst>
+                    </p:cTn>
+                  </p:par>
+                  <p:par>
+                    <p:cTn id="8" fill="hold">
+                      <p:stCondLst>
+                        <p:cond delay="indefinite"/>
+                      </p:stCondLst>
+                      <p:childTnLst>
+                        <p:par>
+                          <p:cTn id="9" fill="hold">
+                            <p:stCondLst>
+                              <p:cond delay="0"/>
+                            </p:stCondLst>
+                            <p:childTnLst>
+                              <p:par>
+                                <p:cTn id="10" presetID="10" presetClass="entr" presetSubtype="0" fill="hold" nodeType="clickEffect">
+                                  <p:stCondLst>
+                                    <p:cond delay="0"/>
+                                  </p:stCondLst>
+                                  <p:childTnLst>
+                                    <p:set>
+                                      <p:cBhvr>
+                                        <p:cTn id="11" dur="1" fill="hold">
+                                          <p:stCondLst>
+                                            <p:cond delay="0"/>
+                                          </p:stCondLst>
+                                        </p:cTn>
+                                        <p:tgtEl>
+                                          <p:spTgt spid="62">
+                                            <p:txEl>
+                                              <p:pRg st="2" end="2"/>
+                                            </p:txEl>
+                                          </p:spTgt>
+                                        </p:tgtEl>
+                                        <p:attrNameLst>
+                                          <p:attrName>style.visibility</p:attrName>
+                                        </p:attrNameLst>
+                                      </p:cBhvr>
+                                      <p:to>
+                                        <p:strVal val="visible"/>
+                                      </p:to>
+                                    </p:set>
+                                    <p:animEffect transition="in" filter="fade">
+                                      <p:cBhvr>
+                                        <p:cTn id="12" dur="1000"/>
+                                        <p:tgtEl>
+                                          <p:spTgt spid="62">
+                                            <p:txEl>
+                                              <p:pRg st="2" end="2"/>
+                                            </p:txEl>
+                                          </p:spTgt>
+                                        </p:tgtEl>
+                                      </p:cBhvr>
+                                    </p:animEffect>
+                                  </p:childTnLst>
+                                </p:cTn>
+                              </p:par>
+                            </p:childTnLst>
+                          </p:cTn>
+                        </p:par>
+                      </p:childTnLst>
+                    </p:cTn>
+                  </p:par>
+                  <p:par>
+                    <p:cTn id="13" fill="hold">
+                      <p:stCondLst>
+                        <p:cond delay="indefinite"/>
+                      </p:stCondLst>
+                      <p:childTnLst>
+                        <p:par>
+                          <p:cTn id="14" fill="hold">
+                            <p:stCondLst>
+                              <p:cond delay="0"/>
+                            </p:stCondLst>
+                            <p:childTnLst>
+                              <p:par>
+                                <p:cTn id="15" presetID="10" presetClass="entr" presetSubtype="0" fill="hold" nodeType="clickEffect">
+                                  <p:stCondLst>
+                                    <p:cond delay="0"/>
+                                  </p:stCondLst>
+                                  <p:childTnLst>
+                                    <p:set>
+                                      <p:cBhvr>
+                                        <p:cTn id="16" dur="1" fill="hold">
+                                          <p:stCondLst>
+                                            <p:cond delay="0"/>
+                                          </p:stCondLst>
+                                        </p:cTn>
+                                        <p:tgtEl>
+                                          <p:spTgt spid="62">
+                                            <p:txEl>
+                                              <p:pRg st="4" end="4"/>
+                                            </p:txEl>
+                                          </p:spTgt>
+                                        </p:tgtEl>
+                                        <p:attrNameLst>
+                                          <p:attrName>style.visibility</p:attrName>
+                                        </p:attrNameLst>
+                                      </p:cBhvr>
+                                      <p:to>
+                                        <p:strVal val="visible"/>
+                                      </p:to>
+                                    </p:set>
+                                    <p:animEffect transition="in" filter="fade">
+                                      <p:cBhvr>
+                                        <p:cTn id="17" dur="1000"/>
+                                        <p:tgtEl>
+                                          <p:spTgt spid="62">
+                                            <p:txEl>
+                                              <p:pRg st="4" end="4"/>
+                                            </p:txEl>
+                                          </p:spTgt>
+                                        </p:tgtEl>
+                                      </p:cBhvr>
+                                    </p:animEffect>
+                                  </p:childTnLst>
+                                </p:cTn>
+                              </p:par>
+                            </p:childTnLst>
+                          </p:cTn>
+                        </p:par>
+                      </p:childTnLst>
+                    </p:cTn>
+                  </p:par>
+                </p:childTnLst>
+              </p:cTn>
+              <p:prevCondLst>
+                <p:cond evt="onPrev" delay="0">
+                  <p:tgtEl>
+                    <p:sldTgt/>
+                  </p:tgtEl>
+                </p:cond>
+              </p:prevCondLst>
+              <p:nextCondLst>
+                <p:cond evt="onNext" delay="0">
+                  <p:tgtEl>
+                    <p:sldTgt/>
+                  </p:tgtEl>
+                </p:cond>
+              </p:nextCondLst>
+            </p:seq>
+          </p:childTnLst>
+        </p:cTn>
+      </p:par>
+    </p:tnLst>
+  </p:timing>
+</p:sld>
+</file>
+
+<file path=ppt/slides/slide9.xml><?xml version="1.0" encoding="utf-8"?>
+<p:sld xmlns:a="http://schemas.openxmlformats.org/drawingml/2006/main" xmlns:r="http://schemas.openxmlformats.org/officeDocument/2006/relationships" xmlns:p="http://schemas.openxmlformats.org/presentationml/2006/main">
+  <p:cSld>
+    <p:spTree>
+      <p:nvGrpSpPr>
+        <p:cNvPr id="1" name=""/>
+        <p:cNvGrpSpPr/>
+        <p:nvPr/>
+      </p:nvGrpSpPr>
+      <p:grpSpPr>
+        <a:xfrm>
+          <a:off x="0" y="0"/>
+          <a:ext cx="0" cy="0"/>
+          <a:chOff x="0" y="0"/>
+          <a:chExt cx="0" cy="0"/>
+        </a:xfrm>
+      </p:grpSpPr>
+      <p:sp>
+        <p:nvSpPr>
+          <p:cNvPr id="2" name="Title 1">
+            <a:extLst>
+              <a:ext uri="{FF2B5EF4-FFF2-40B4-BE49-F238E27FC236}">
+                <a16:creationId xmlns:a16="http://schemas.microsoft.com/office/drawing/2014/main" id="{C51B2B44-E135-446B-8B96-DA63B6936F88}"/>
+              </a:ext>
+            </a:extLst>
+          </p:cNvPr>
+          <p:cNvSpPr>
+            <a:spLocks noGrp="1"/>
+          </p:cNvSpPr>
+          <p:nvPr>
+            <p:ph type="title"/>
+          </p:nvPr>
+        </p:nvSpPr>
+        <p:spPr/>
+        <p:txBody>
+          <a:bodyPr/>
+          <a:lstStyle/>
+          <a:p>
+            <a:r>
+              <a:rPr lang="en-US" dirty="0"/>
+              <a:t>Example of </a:t>
+            </a:r>
+            <a:r>
+              <a:rPr lang="en-US" dirty="0" err="1"/>
+              <a:t>urllib.parse.urlencode</a:t>
+            </a:r>
+            <a:endParaRPr lang="en-US" dirty="0"/>
+          </a:p>
+        </p:txBody>
+      </p:sp>
+    </p:spTree>
+    <p:extLst>
+      <p:ext uri="{BB962C8B-B14F-4D97-AF65-F5344CB8AC3E}">
+        <p14:creationId xmlns:p14="http://schemas.microsoft.com/office/powerpoint/2010/main" val="242222200"/>
       </p:ext>
     </p:extLst>
   </p:cSld>

--- a/slides/Unit 2 - LC 101 - Class 5.pptx
+++ b/slides/Unit 2 - LC 101 - Class 5.pptx
@@ -5,7 +5,7 @@
     <p:sldMasterId id="2147483659" r:id="rId1"/>
   </p:sldMasterIdLst>
   <p:notesMasterIdLst>
-    <p:notesMasterId r:id="rId12"/>
+    <p:notesMasterId r:id="rId11"/>
   </p:notesMasterIdLst>
   <p:sldIdLst>
     <p:sldId id="263" r:id="rId2"/>
@@ -16,8 +16,7 @@
     <p:sldId id="257" r:id="rId7"/>
     <p:sldId id="267" r:id="rId8"/>
     <p:sldId id="265" r:id="rId9"/>
-    <p:sldId id="266" r:id="rId10"/>
-    <p:sldId id="264" r:id="rId11"/>
+    <p:sldId id="268" r:id="rId10"/>
   </p:sldIdLst>
   <p:sldSz cx="9144000" cy="5143500" type="screen16x9"/>
   <p:notesSz cx="6858000" cy="9144000"/>
@@ -1247,20 +1246,6 @@
           <a:bodyPr/>
           <a:lstStyle/>
           <a:p>
-            <a:r>
-              <a:rPr lang="en-US" dirty="0"/>
-              <a:t>Git, HTML Escaping</a:t>
-            </a:r>
-          </a:p>
-          <a:p>
-            <a:r>
-              <a:rPr lang="en-US" dirty="0"/>
-              <a:t>Flask, Validation, Redirecting will be covered in the </a:t>
-            </a:r>
-            <a:r>
-              <a:rPr lang="en-US" dirty="0" err="1"/>
-              <a:t>waklthrough</a:t>
-            </a:r>
             <a:endParaRPr lang="en-US" dirty="0"/>
           </a:p>
         </p:txBody>
@@ -1371,7 +1356,7 @@
             </a:pPr>
             <a:r>
               <a:rPr lang="en-US" dirty="0"/>
-              <a:t>Pause when necessary. Rewind when necessary. That’s the beauty of it!</a:t>
+              <a:t>Makes a string in python a useable URL. </a:t>
             </a:r>
             <a:endParaRPr dirty="0"/>
           </a:p>
@@ -1381,138 +1366,6 @@
     <p:extLst>
       <p:ext uri="{BB962C8B-B14F-4D97-AF65-F5344CB8AC3E}">
         <p14:creationId xmlns:p14="http://schemas.microsoft.com/office/powerpoint/2010/main" val="563099923"/>
-      </p:ext>
-    </p:extLst>
-  </p:cSld>
-  <p:clrMapOvr>
-    <a:masterClrMapping/>
-  </p:clrMapOvr>
-</p:notes>
-</file>
-
-<file path=ppt/notesSlides/notesSlide8.xml><?xml version="1.0" encoding="utf-8"?>
-<p:notes xmlns:a="http://schemas.openxmlformats.org/drawingml/2006/main" xmlns:r="http://schemas.openxmlformats.org/officeDocument/2006/relationships" xmlns:p="http://schemas.openxmlformats.org/presentationml/2006/main">
-  <p:cSld>
-    <p:spTree>
-      <p:nvGrpSpPr>
-        <p:cNvPr id="1" name=""/>
-        <p:cNvGrpSpPr/>
-        <p:nvPr/>
-      </p:nvGrpSpPr>
-      <p:grpSpPr>
-        <a:xfrm>
-          <a:off x="0" y="0"/>
-          <a:ext cx="0" cy="0"/>
-          <a:chOff x="0" y="0"/>
-          <a:chExt cx="0" cy="0"/>
-        </a:xfrm>
-      </p:grpSpPr>
-      <p:sp>
-        <p:nvSpPr>
-          <p:cNvPr id="2" name="Slide Image Placeholder 1"/>
-          <p:cNvSpPr>
-            <a:spLocks noGrp="1" noRot="1" noChangeAspect="1"/>
-          </p:cNvSpPr>
-          <p:nvPr>
-            <p:ph type="sldImg"/>
-          </p:nvPr>
-        </p:nvSpPr>
-        <p:spPr>
-          <a:xfrm>
-            <a:off x="381000" y="685800"/>
-            <a:ext cx="6096000" cy="3429000"/>
-          </a:xfrm>
-        </p:spPr>
-      </p:sp>
-      <p:sp>
-        <p:nvSpPr>
-          <p:cNvPr id="3" name="Notes Placeholder 2"/>
-          <p:cNvSpPr>
-            <a:spLocks noGrp="1"/>
-          </p:cNvSpPr>
-          <p:nvPr>
-            <p:ph type="body" idx="1"/>
-          </p:nvPr>
-        </p:nvSpPr>
-        <p:spPr/>
-        <p:txBody>
-          <a:bodyPr/>
-          <a:lstStyle/>
-          <a:p>
-            <a:endParaRPr lang="en-US"/>
-          </a:p>
-        </p:txBody>
-      </p:sp>
-    </p:spTree>
-    <p:extLst>
-      <p:ext uri="{BB962C8B-B14F-4D97-AF65-F5344CB8AC3E}">
-        <p14:creationId xmlns:p14="http://schemas.microsoft.com/office/powerpoint/2010/main" val="3097361344"/>
-      </p:ext>
-    </p:extLst>
-  </p:cSld>
-  <p:clrMapOvr>
-    <a:masterClrMapping/>
-  </p:clrMapOvr>
-</p:notes>
-</file>
-
-<file path=ppt/notesSlides/notesSlide9.xml><?xml version="1.0" encoding="utf-8"?>
-<p:notes xmlns:a="http://schemas.openxmlformats.org/drawingml/2006/main" xmlns:r="http://schemas.openxmlformats.org/officeDocument/2006/relationships" xmlns:p="http://schemas.openxmlformats.org/presentationml/2006/main">
-  <p:cSld>
-    <p:spTree>
-      <p:nvGrpSpPr>
-        <p:cNvPr id="1" name=""/>
-        <p:cNvGrpSpPr/>
-        <p:nvPr/>
-      </p:nvGrpSpPr>
-      <p:grpSpPr>
-        <a:xfrm>
-          <a:off x="0" y="0"/>
-          <a:ext cx="0" cy="0"/>
-          <a:chOff x="0" y="0"/>
-          <a:chExt cx="0" cy="0"/>
-        </a:xfrm>
-      </p:grpSpPr>
-      <p:sp>
-        <p:nvSpPr>
-          <p:cNvPr id="2" name="Slide Image Placeholder 1"/>
-          <p:cNvSpPr>
-            <a:spLocks noGrp="1" noRot="1" noChangeAspect="1"/>
-          </p:cNvSpPr>
-          <p:nvPr>
-            <p:ph type="sldImg"/>
-          </p:nvPr>
-        </p:nvSpPr>
-        <p:spPr>
-          <a:xfrm>
-            <a:off x="381000" y="685800"/>
-            <a:ext cx="6096000" cy="3429000"/>
-          </a:xfrm>
-        </p:spPr>
-      </p:sp>
-      <p:sp>
-        <p:nvSpPr>
-          <p:cNvPr id="3" name="Notes Placeholder 2"/>
-          <p:cNvSpPr>
-            <a:spLocks noGrp="1"/>
-          </p:cNvSpPr>
-          <p:nvPr>
-            <p:ph type="body" idx="1"/>
-          </p:nvPr>
-        </p:nvSpPr>
-        <p:spPr/>
-        <p:txBody>
-          <a:bodyPr/>
-          <a:lstStyle/>
-          <a:p>
-            <a:endParaRPr lang="en-US"/>
-          </a:p>
-        </p:txBody>
-      </p:sp>
-    </p:spTree>
-    <p:extLst>
-      <p:ext uri="{BB962C8B-B14F-4D97-AF65-F5344CB8AC3E}">
-        <p14:creationId xmlns:p14="http://schemas.microsoft.com/office/powerpoint/2010/main" val="3752677964"/>
       </p:ext>
     </p:extLst>
   </p:cSld>
@@ -5844,7 +5697,7 @@
           <a:bodyPr/>
           <a:lstStyle/>
           <a:p>
-            <a:endParaRPr lang="en-US"/>
+            <a:endParaRPr lang="en-US" dirty="0"/>
           </a:p>
         </p:txBody>
       </p:sp>
@@ -5852,64 +5705,6 @@
     <p:extLst>
       <p:ext uri="{BB962C8B-B14F-4D97-AF65-F5344CB8AC3E}">
         <p14:creationId xmlns:p14="http://schemas.microsoft.com/office/powerpoint/2010/main" val="3904958647"/>
-      </p:ext>
-    </p:extLst>
-  </p:cSld>
-  <p:clrMapOvr>
-    <a:masterClrMapping/>
-  </p:clrMapOvr>
-</p:sld>
-</file>
-
-<file path=ppt/slides/slide10.xml><?xml version="1.0" encoding="utf-8"?>
-<p:sld xmlns:a="http://schemas.openxmlformats.org/drawingml/2006/main" xmlns:r="http://schemas.openxmlformats.org/officeDocument/2006/relationships" xmlns:p="http://schemas.openxmlformats.org/presentationml/2006/main">
-  <p:cSld>
-    <p:spTree>
-      <p:nvGrpSpPr>
-        <p:cNvPr id="1" name=""/>
-        <p:cNvGrpSpPr/>
-        <p:nvPr/>
-      </p:nvGrpSpPr>
-      <p:grpSpPr>
-        <a:xfrm>
-          <a:off x="0" y="0"/>
-          <a:ext cx="0" cy="0"/>
-          <a:chOff x="0" y="0"/>
-          <a:chExt cx="0" cy="0"/>
-        </a:xfrm>
-      </p:grpSpPr>
-      <p:sp>
-        <p:nvSpPr>
-          <p:cNvPr id="2" name="Title 1">
-            <a:extLst>
-              <a:ext uri="{FF2B5EF4-FFF2-40B4-BE49-F238E27FC236}">
-                <a16:creationId xmlns:a16="http://schemas.microsoft.com/office/drawing/2014/main" id="{C51B2B44-E135-446B-8B96-DA63B6936F88}"/>
-              </a:ext>
-            </a:extLst>
-          </p:cNvPr>
-          <p:cNvSpPr>
-            <a:spLocks noGrp="1"/>
-          </p:cNvSpPr>
-          <p:nvPr>
-            <p:ph type="title"/>
-          </p:nvPr>
-        </p:nvSpPr>
-        <p:spPr/>
-        <p:txBody>
-          <a:bodyPr/>
-          <a:lstStyle/>
-          <a:p>
-            <a:r>
-              <a:rPr lang="en-US" dirty="0"/>
-              <a:t>Studio Walkthrough</a:t>
-            </a:r>
-          </a:p>
-        </p:txBody>
-      </p:sp>
-    </p:spTree>
-    <p:extLst>
-      <p:ext uri="{BB962C8B-B14F-4D97-AF65-F5344CB8AC3E}">
-        <p14:creationId xmlns:p14="http://schemas.microsoft.com/office/powerpoint/2010/main" val="260465789"/>
       </p:ext>
     </p:extLst>
   </p:cSld>
@@ -7100,10 +6895,10 @@
               <a:buNone/>
             </a:pPr>
             <a:r>
-              <a:rPr lang="en"/>
+              <a:rPr lang="en" dirty="0"/>
               <a:t>LC 101</a:t>
             </a:r>
-            <a:endParaRPr/>
+            <a:endParaRPr dirty="0"/>
           </a:p>
         </p:txBody>
       </p:sp>
@@ -7142,7 +6937,7 @@
               <a:buNone/>
             </a:pPr>
             <a:r>
-              <a:rPr lang="en"/>
+              <a:rPr lang="en" dirty="0"/>
               <a:t>Unit 2 - Class 5</a:t>
             </a:r>
             <a:endParaRPr dirty="0"/>
@@ -7914,7 +7709,7 @@
           <a:p>
             <a:r>
               <a:rPr lang="en-US" dirty="0"/>
-              <a:t>Examples</a:t>
+              <a:t>Q and A?</a:t>
             </a:r>
           </a:p>
         </p:txBody>
@@ -8039,7 +7834,7 @@
                   <a:srgbClr val="FFFFFF"/>
                 </a:solidFill>
               </a:rPr>
-              <a:t>What does this function do?</a:t>
+              <a:t>Encodes Python strings into useable URLs</a:t>
             </a:r>
           </a:p>
           <a:p>
@@ -8090,7 +7885,7 @@
                   <a:srgbClr val="FFFFFF"/>
                 </a:solidFill>
               </a:rPr>
-              <a:t>Why would we ever need it?</a:t>
+              <a:t>If sentence = “Hello Aleesha”, then:</a:t>
             </a:r>
           </a:p>
           <a:p>
@@ -8118,7 +7913,7 @@
             </a:endParaRPr>
           </a:p>
           <a:p>
-            <a:pPr marL="457200" marR="0" lvl="0" indent="-381000" algn="l" rtl="0">
+            <a:pPr marL="76200" marR="0" lvl="0" algn="ctr" rtl="0">
               <a:lnSpc>
                 <a:spcPct val="115000"/>
               </a:lnSpc>
@@ -8132,41 +7927,39 @@
                 <a:srgbClr val="FFFFFF"/>
               </a:buClr>
               <a:buSzPts val="2400"/>
-              <a:buFont typeface="Arial"/>
-              <a:buChar char="●"/>
             </a:pPr>
+            <a:r>
+              <a:rPr lang="en-US" sz="2400" dirty="0" err="1">
+                <a:solidFill>
+                  <a:srgbClr val="FFFFFF"/>
+                </a:solidFill>
+              </a:rPr>
+              <a:t>urllib.parse.urlencode</a:t>
+            </a:r>
             <a:r>
               <a:rPr lang="en-US" sz="2400" dirty="0">
                 <a:solidFill>
                   <a:srgbClr val="FFFFFF"/>
                 </a:solidFill>
               </a:rPr>
-              <a:t>Example time!</a:t>
+              <a:t>(sentence) == “</a:t>
             </a:r>
-          </a:p>
-          <a:p>
-            <a:pPr marL="457200" marR="0" lvl="0" indent="-381000" algn="l" rtl="0">
-              <a:lnSpc>
-                <a:spcPct val="115000"/>
-              </a:lnSpc>
-              <a:spcBef>
-                <a:spcPts val="0"/>
-              </a:spcBef>
-              <a:spcAft>
-                <a:spcPts val="0"/>
-              </a:spcAft>
-              <a:buClr>
-                <a:srgbClr val="FFFFFF"/>
-              </a:buClr>
-              <a:buSzPts val="2400"/>
-              <a:buFont typeface="Arial"/>
-              <a:buChar char="●"/>
-            </a:pPr>
-            <a:endParaRPr lang="en-US" sz="2400" dirty="0">
-              <a:solidFill>
-                <a:srgbClr val="FFFFFF"/>
-              </a:solidFill>
-            </a:endParaRPr>
+            <a:r>
+              <a:rPr lang="en-US" sz="2400" dirty="0" err="1">
+                <a:solidFill>
+                  <a:srgbClr val="FFFFFF"/>
+                </a:solidFill>
+              </a:rPr>
+              <a:t>Hello+Aleesha</a:t>
+            </a:r>
+            <a:r>
+              <a:rPr lang="en-US" sz="2400" dirty="0">
+                <a:solidFill>
+                  <a:srgbClr val="FFFFFF"/>
+                </a:solidFill>
+              </a:rPr>
+              <a:t>”</a:t>
+            </a:r>
           </a:p>
           <a:p>
             <a:pPr marL="0" lvl="0" indent="0" rtl="0">
@@ -8491,7 +8284,7 @@
           <p:cNvPr id="2" name="Title 1">
             <a:extLst>
               <a:ext uri="{FF2B5EF4-FFF2-40B4-BE49-F238E27FC236}">
-                <a16:creationId xmlns:a16="http://schemas.microsoft.com/office/drawing/2014/main" id="{C51B2B44-E135-446B-8B96-DA63B6936F88}"/>
+                <a16:creationId xmlns:a16="http://schemas.microsoft.com/office/drawing/2014/main" id="{D3D46DC7-C184-464B-B809-C8E976BB0589}"/>
               </a:ext>
             </a:extLst>
           </p:cNvPr>
@@ -8499,7 +8292,7 @@
             <a:spLocks noGrp="1"/>
           </p:cNvSpPr>
           <p:nvPr>
-            <p:ph type="title"/>
+            <p:ph type="ctrTitle"/>
           </p:nvPr>
         </p:nvSpPr>
         <p:spPr/>
@@ -8509,20 +8302,43 @@
           <a:p>
             <a:r>
               <a:rPr lang="en-US" dirty="0"/>
-              <a:t>Example of </a:t>
+              <a:t>Studio Walkthrough</a:t>
             </a:r>
+          </a:p>
+        </p:txBody>
+      </p:sp>
+      <p:sp>
+        <p:nvSpPr>
+          <p:cNvPr id="3" name="Subtitle 2">
+            <a:extLst>
+              <a:ext uri="{FF2B5EF4-FFF2-40B4-BE49-F238E27FC236}">
+                <a16:creationId xmlns:a16="http://schemas.microsoft.com/office/drawing/2014/main" id="{C916B483-2E52-48C0-8F98-40CA656DB591}"/>
+              </a:ext>
+            </a:extLst>
+          </p:cNvPr>
+          <p:cNvSpPr>
+            <a:spLocks noGrp="1"/>
+          </p:cNvSpPr>
+          <p:nvPr>
+            <p:ph type="subTitle" idx="1"/>
+          </p:nvPr>
+        </p:nvSpPr>
+        <p:spPr/>
+        <p:txBody>
+          <a:bodyPr/>
+          <a:lstStyle/>
+          <a:p>
             <a:r>
-              <a:rPr lang="en-US" dirty="0" err="1"/>
-              <a:t>urllib.parse.urlencode</a:t>
+              <a:rPr lang="en-US" dirty="0"/>
+              <a:t>Examples from Flask, Validation, Redirecting</a:t>
             </a:r>
-            <a:endParaRPr lang="en-US" dirty="0"/>
           </a:p>
         </p:txBody>
       </p:sp>
     </p:spTree>
     <p:extLst>
       <p:ext uri="{BB962C8B-B14F-4D97-AF65-F5344CB8AC3E}">
-        <p14:creationId xmlns:p14="http://schemas.microsoft.com/office/powerpoint/2010/main" val="242222200"/>
+        <p14:creationId xmlns:p14="http://schemas.microsoft.com/office/powerpoint/2010/main" val="1469310686"/>
       </p:ext>
     </p:extLst>
   </p:cSld>
